--- a/img/os-considerations.pptx
+++ b/img/os-considerations.pptx
@@ -7,7 +7,7 @@
   <p:sldIdLst>
     <p:sldId id="256" r:id="rId2"/>
   </p:sldIdLst>
-  <p:sldSz cx="9144000" cy="6858000" type="screen4x3"/>
+  <p:sldSz cx="9144000" cy="6858000" type="letter"/>
   <p:notesSz cx="6858000" cy="9144000"/>
   <p:defaultTextStyle>
     <a:defPPr>
